--- a/presentation.pptx
+++ b/presentation.pptx
@@ -1653,6 +1653,57 @@
           <a:chExt cx="0" cy="0"/>
         </a:xfrm>
       </p:grpSpPr>
+      <p:sp>
+        <p:nvSpPr>
+          <p:cNvPr id="2" name="직사각형 1">
+            <a:hlinkClick r:id="rId4"/>
+            <a:extLst>
+              <a:ext uri="{FF2B5EF4-FFF2-40B4-BE49-F238E27FC236}">
+                <a16:creationId xmlns:a16="http://schemas.microsoft.com/office/drawing/2014/main" id="{8CF24058-24C8-726E-C893-490E03D79811}"/>
+              </a:ext>
+            </a:extLst>
+          </p:cNvPr>
+          <p:cNvSpPr/>
+          <p:nvPr/>
+        </p:nvSpPr>
+        <p:spPr>
+          <a:xfrm>
+            <a:off x="550416" y="1660124"/>
+            <a:ext cx="8487052" cy="727969"/>
+          </a:xfrm>
+          <a:prstGeom prst="rect">
+            <a:avLst/>
+          </a:prstGeom>
+          <a:noFill/>
+          <a:ln>
+            <a:noFill/>
+          </a:ln>
+        </p:spPr>
+        <p:style>
+          <a:lnRef idx="2">
+            <a:schemeClr val="accent1">
+              <a:shade val="50000"/>
+            </a:schemeClr>
+          </a:lnRef>
+          <a:fillRef idx="1">
+            <a:schemeClr val="accent1"/>
+          </a:fillRef>
+          <a:effectRef idx="0">
+            <a:schemeClr val="accent1"/>
+          </a:effectRef>
+          <a:fontRef idx="minor">
+            <a:schemeClr val="lt1"/>
+          </a:fontRef>
+        </p:style>
+        <p:txBody>
+          <a:bodyPr rtlCol="0" anchor="ctr"/>
+          <a:lstStyle/>
+          <a:p>
+            <a:pPr algn="ctr"/>
+            <a:endParaRPr lang="ko-KR" altLang="en-US"/>
+          </a:p>
+        </p:txBody>
+      </p:sp>
     </p:spTree>
   </p:cSld>
   <p:clrMapOvr>

--- a/presentation.pptx
+++ b/presentation.pptx
@@ -5,7 +5,7 @@
     <p:sldMasterId id="2147483648" r:id="rId1"/>
   </p:sldMasterIdLst>
   <p:notesMasterIdLst>
-    <p:notesMasterId r:id="rId9"/>
+    <p:notesMasterId r:id="rId10"/>
   </p:notesMasterIdLst>
   <p:sldIdLst>
     <p:sldId id="256" r:id="rId2"/>
@@ -14,7 +14,8 @@
     <p:sldId id="259" r:id="rId5"/>
     <p:sldId id="260" r:id="rId6"/>
     <p:sldId id="261" r:id="rId7"/>
-    <p:sldId id="263" r:id="rId8"/>
+    <p:sldId id="264" r:id="rId8"/>
+    <p:sldId id="263" r:id="rId9"/>
   </p:sldIdLst>
   <p:sldSz cx="12192000" cy="6858000"/>
   <p:notesSz cx="6858000" cy="12192000"/>
@@ -815,7 +816,7 @@
           <a:p>
             <a:fld id="{F7021451-1387-4CA6-816F-3879F97B5CBC}" type="slidenum">
               <a:rPr lang="en-US"/>
-              <a:t>7</a:t>
+              <a:t>8</a:t>
             </a:fld>
             <a:endParaRPr lang="en-US"/>
           </a:p>
@@ -1624,6 +1625,204 @@
 
 <file path=ppt/slides/slide7.xml><?xml version="1.0" encoding="utf-8"?>
 <p:sld xmlns:a="http://schemas.openxmlformats.org/drawingml/2006/main" xmlns:r="http://schemas.openxmlformats.org/officeDocument/2006/relationships" xmlns:p="http://schemas.openxmlformats.org/presentationml/2006/main">
+  <p:cSld>
+    <p:spTree>
+      <p:nvGrpSpPr>
+        <p:cNvPr id="1" name=""/>
+        <p:cNvGrpSpPr/>
+        <p:nvPr/>
+      </p:nvGrpSpPr>
+      <p:grpSpPr>
+        <a:xfrm>
+          <a:off x="0" y="0"/>
+          <a:ext cx="0" cy="0"/>
+          <a:chOff x="0" y="0"/>
+          <a:chExt cx="0" cy="0"/>
+        </a:xfrm>
+      </p:grpSpPr>
+      <p:pic>
+        <p:nvPicPr>
+          <p:cNvPr id="5" name="온라인 미디어 4" title="Studyhelper Bot Test">
+            <a:hlinkClick r:id="" action="ppaction://media"/>
+            <a:extLst>
+              <a:ext uri="{FF2B5EF4-FFF2-40B4-BE49-F238E27FC236}">
+                <a16:creationId xmlns:a16="http://schemas.microsoft.com/office/drawing/2014/main" id="{01C4E0A5-2C69-3C49-6DC7-7EA9455A8E96}"/>
+              </a:ext>
+            </a:extLst>
+          </p:cNvPr>
+          <p:cNvPicPr>
+            <a:picLocks noRot="1" noChangeAspect="1"/>
+          </p:cNvPicPr>
+          <p:nvPr>
+            <a:videoFile r:link="rId1"/>
+          </p:nvPr>
+        </p:nvPicPr>
+        <p:blipFill>
+          <a:blip r:embed="rId3"/>
+          <a:stretch>
+            <a:fillRect/>
+          </a:stretch>
+        </p:blipFill>
+        <p:spPr>
+          <a:xfrm>
+            <a:off x="27708" y="0"/>
+            <a:ext cx="12138053" cy="6858000"/>
+          </a:xfrm>
+          <a:prstGeom prst="rect">
+            <a:avLst/>
+          </a:prstGeom>
+        </p:spPr>
+      </p:pic>
+    </p:spTree>
+    <p:extLst>
+      <p:ext uri="{BB962C8B-B14F-4D97-AF65-F5344CB8AC3E}">
+        <p14:creationId xmlns:p14="http://schemas.microsoft.com/office/powerpoint/2010/main" val="1862569422"/>
+      </p:ext>
+    </p:extLst>
+  </p:cSld>
+  <p:clrMapOvr>
+    <a:masterClrMapping/>
+  </p:clrMapOvr>
+  <p:timing>
+    <p:tnLst>
+      <p:par>
+        <p:cTn id="1" dur="indefinite" restart="never" nodeType="tmRoot">
+          <p:childTnLst>
+            <p:seq concurrent="1" nextAc="seek">
+              <p:cTn id="2" dur="indefinite" nodeType="mainSeq">
+                <p:childTnLst>
+                  <p:par>
+                    <p:cTn id="3" fill="hold">
+                      <p:stCondLst>
+                        <p:cond delay="indefinite"/>
+                      </p:stCondLst>
+                      <p:childTnLst>
+                        <p:par>
+                          <p:cTn id="4" fill="hold">
+                            <p:stCondLst>
+                              <p:cond delay="0"/>
+                            </p:stCondLst>
+                            <p:childTnLst>
+                              <p:par>
+                                <p:cTn id="5" presetID="1" presetClass="mediacall" presetSubtype="0" fill="hold" nodeType="clickEffect">
+                                  <p:stCondLst>
+                                    <p:cond delay="0"/>
+                                  </p:stCondLst>
+                                  <p:childTnLst>
+                                    <p:cmd type="call" cmd="playFrom(0.0)">
+                                      <p:cBhvr>
+                                        <p:cTn id="6" dur="1" fill="hold"/>
+                                        <p:tgtEl>
+                                          <p:spTgt spid="5"/>
+                                        </p:tgtEl>
+                                      </p:cBhvr>
+                                    </p:cmd>
+                                  </p:childTnLst>
+                                </p:cTn>
+                              </p:par>
+                            </p:childTnLst>
+                          </p:cTn>
+                        </p:par>
+                      </p:childTnLst>
+                    </p:cTn>
+                  </p:par>
+                </p:childTnLst>
+              </p:cTn>
+              <p:prevCondLst>
+                <p:cond evt="onPrev" delay="0">
+                  <p:tgtEl>
+                    <p:sldTgt/>
+                  </p:tgtEl>
+                </p:cond>
+              </p:prevCondLst>
+              <p:nextCondLst>
+                <p:cond evt="onNext" delay="0">
+                  <p:tgtEl>
+                    <p:sldTgt/>
+                  </p:tgtEl>
+                </p:cond>
+              </p:nextCondLst>
+            </p:seq>
+            <p:video>
+              <p:cMediaNode vol="80000">
+                <p:cTn id="7" fill="hold" display="0">
+                  <p:stCondLst>
+                    <p:cond delay="indefinite"/>
+                  </p:stCondLst>
+                </p:cTn>
+                <p:tgtEl>
+                  <p:spTgt spid="5"/>
+                </p:tgtEl>
+              </p:cMediaNode>
+            </p:video>
+            <p:seq concurrent="1" nextAc="seek">
+              <p:cTn id="8" restart="whenNotActive" fill="hold" evtFilter="cancelBubble" nodeType="interactiveSeq">
+                <p:stCondLst>
+                  <p:cond evt="onClick" delay="0">
+                    <p:tgtEl>
+                      <p:spTgt spid="5"/>
+                    </p:tgtEl>
+                  </p:cond>
+                </p:stCondLst>
+                <p:endSync evt="end" delay="0">
+                  <p:rtn val="all"/>
+                </p:endSync>
+                <p:childTnLst>
+                  <p:par>
+                    <p:cTn id="9" fill="hold">
+                      <p:stCondLst>
+                        <p:cond delay="0"/>
+                      </p:stCondLst>
+                      <p:childTnLst>
+                        <p:par>
+                          <p:cTn id="10" fill="hold">
+                            <p:stCondLst>
+                              <p:cond delay="0"/>
+                            </p:stCondLst>
+                            <p:childTnLst>
+                              <p:par>
+                                <p:cTn id="11" presetID="2" presetClass="mediacall" presetSubtype="0" fill="hold" nodeType="clickEffect">
+                                  <p:stCondLst>
+                                    <p:cond delay="0"/>
+                                  </p:stCondLst>
+                                  <p:childTnLst>
+                                    <p:cmd type="call" cmd="togglePause">
+                                      <p:cBhvr>
+                                        <p:cTn id="12" dur="1" fill="hold"/>
+                                        <p:tgtEl>
+                                          <p:spTgt spid="5"/>
+                                        </p:tgtEl>
+                                      </p:cBhvr>
+                                    </p:cmd>
+                                  </p:childTnLst>
+                                </p:cTn>
+                              </p:par>
+                            </p:childTnLst>
+                          </p:cTn>
+                        </p:par>
+                      </p:childTnLst>
+                    </p:cTn>
+                  </p:par>
+                </p:childTnLst>
+              </p:cTn>
+              <p:nextCondLst>
+                <p:cond evt="onClick" delay="0">
+                  <p:tgtEl>
+                    <p:spTgt spid="5"/>
+                  </p:tgtEl>
+                </p:cond>
+              </p:nextCondLst>
+            </p:seq>
+          </p:childTnLst>
+        </p:cTn>
+      </p:par>
+    </p:tnLst>
+  </p:timing>
+</p:sld>
+</file>
+
+<file path=ppt/slides/slide8.xml><?xml version="1.0" encoding="utf-8"?>
+<p:sld xmlns:a="http://schemas.openxmlformats.org/drawingml/2006/main" xmlns:r="http://schemas.openxmlformats.org/officeDocument/2006/relationships" xmlns:p="http://schemas.openxmlformats.org/presentationml/2006/main">
   <p:cSld name="Slide 8">
     <p:bg>
       <p:bgPr>
